--- a/база-знаний/Презентация.pptx
+++ b/база-знаний/Презентация.pptx
@@ -5,27 +5,26 @@
     <p:sldMasterId id="2147483648" r:id="rId1"/>
   </p:sldMasterIdLst>
   <p:notesMasterIdLst>
-    <p:notesMasterId r:id="rId20"/>
+    <p:notesMasterId r:id="rId19"/>
   </p:notesMasterIdLst>
   <p:sldIdLst>
     <p:sldId id="277" r:id="rId2"/>
     <p:sldId id="256" r:id="rId3"/>
     <p:sldId id="257" r:id="rId4"/>
     <p:sldId id="269" r:id="rId5"/>
-    <p:sldId id="268" r:id="rId6"/>
-    <p:sldId id="266" r:id="rId7"/>
-    <p:sldId id="274" r:id="rId8"/>
-    <p:sldId id="275" r:id="rId9"/>
-    <p:sldId id="276" r:id="rId10"/>
-    <p:sldId id="272" r:id="rId11"/>
-    <p:sldId id="258" r:id="rId12"/>
-    <p:sldId id="259" r:id="rId13"/>
-    <p:sldId id="260" r:id="rId14"/>
-    <p:sldId id="263" r:id="rId15"/>
-    <p:sldId id="271" r:id="rId16"/>
-    <p:sldId id="279" r:id="rId17"/>
-    <p:sldId id="278" r:id="rId18"/>
-    <p:sldId id="280" r:id="rId19"/>
+    <p:sldId id="266" r:id="rId6"/>
+    <p:sldId id="274" r:id="rId7"/>
+    <p:sldId id="275" r:id="rId8"/>
+    <p:sldId id="276" r:id="rId9"/>
+    <p:sldId id="272" r:id="rId10"/>
+    <p:sldId id="258" r:id="rId11"/>
+    <p:sldId id="259" r:id="rId12"/>
+    <p:sldId id="260" r:id="rId13"/>
+    <p:sldId id="263" r:id="rId14"/>
+    <p:sldId id="271" r:id="rId15"/>
+    <p:sldId id="279" r:id="rId16"/>
+    <p:sldId id="278" r:id="rId17"/>
+    <p:sldId id="280" r:id="rId18"/>
   </p:sldIdLst>
   <p:sldSz cx="12192000" cy="6858000"/>
   <p:notesSz cx="6858000" cy="9144000"/>
@@ -214,7 +213,7 @@
           <a:p>
             <a:fld id="{75F1DFFD-0639-450F-A95D-6BC42EFC6563}" type="datetimeFigureOut">
               <a:rPr lang="ru-RU" smtClean="0"/>
-              <a:t>20.12.2023</a:t>
+              <a:t>11.02.2024</a:t>
             </a:fld>
             <a:endParaRPr lang="ru-RU" dirty="0"/>
           </a:p>
@@ -631,7 +630,7 @@
           <a:p>
             <a:fld id="{E4E6046D-0659-4115-95D0-506687AD1516}" type="slidenum">
               <a:rPr lang="ru-RU" smtClean="0"/>
-              <a:t>7</a:t>
+              <a:t>6</a:t>
             </a:fld>
             <a:endParaRPr lang="ru-RU" dirty="0"/>
           </a:p>
@@ -715,7 +714,7 @@
           <a:p>
             <a:fld id="{E4E6046D-0659-4115-95D0-506687AD1516}" type="slidenum">
               <a:rPr lang="ru-RU" smtClean="0"/>
-              <a:t>8</a:t>
+              <a:t>7</a:t>
             </a:fld>
             <a:endParaRPr lang="ru-RU" dirty="0"/>
           </a:p>
@@ -799,7 +798,7 @@
           <a:p>
             <a:fld id="{E4E6046D-0659-4115-95D0-506687AD1516}" type="slidenum">
               <a:rPr lang="ru-RU" smtClean="0"/>
-              <a:t>9</a:t>
+              <a:t>8</a:t>
             </a:fld>
             <a:endParaRPr lang="ru-RU" dirty="0"/>
           </a:p>
@@ -947,7 +946,7 @@
           <a:p>
             <a:fld id="{0F7B38E9-DBAE-4AA2-BF3B-13DCA674FB12}" type="datetimeFigureOut">
               <a:rPr lang="ru-RU" smtClean="0"/>
-              <a:t>20.12.2023</a:t>
+              <a:t>11.02.2024</a:t>
             </a:fld>
             <a:endParaRPr lang="ru-RU" dirty="0"/>
           </a:p>
@@ -1115,7 +1114,7 @@
           <a:p>
             <a:fld id="{0F7B38E9-DBAE-4AA2-BF3B-13DCA674FB12}" type="datetimeFigureOut">
               <a:rPr lang="ru-RU" smtClean="0"/>
-              <a:t>20.12.2023</a:t>
+              <a:t>11.02.2024</a:t>
             </a:fld>
             <a:endParaRPr lang="ru-RU" dirty="0"/>
           </a:p>
@@ -1293,7 +1292,7 @@
           <a:p>
             <a:fld id="{0F7B38E9-DBAE-4AA2-BF3B-13DCA674FB12}" type="datetimeFigureOut">
               <a:rPr lang="ru-RU" smtClean="0"/>
-              <a:t>20.12.2023</a:t>
+              <a:t>11.02.2024</a:t>
             </a:fld>
             <a:endParaRPr lang="ru-RU" dirty="0"/>
           </a:p>
@@ -1461,7 +1460,7 @@
           <a:p>
             <a:fld id="{0F7B38E9-DBAE-4AA2-BF3B-13DCA674FB12}" type="datetimeFigureOut">
               <a:rPr lang="ru-RU" smtClean="0"/>
-              <a:t>20.12.2023</a:t>
+              <a:t>11.02.2024</a:t>
             </a:fld>
             <a:endParaRPr lang="ru-RU" dirty="0"/>
           </a:p>
@@ -1706,7 +1705,7 @@
           <a:p>
             <a:fld id="{0F7B38E9-DBAE-4AA2-BF3B-13DCA674FB12}" type="datetimeFigureOut">
               <a:rPr lang="ru-RU" smtClean="0"/>
-              <a:t>20.12.2023</a:t>
+              <a:t>11.02.2024</a:t>
             </a:fld>
             <a:endParaRPr lang="ru-RU" dirty="0"/>
           </a:p>
@@ -1935,7 +1934,7 @@
           <a:p>
             <a:fld id="{0F7B38E9-DBAE-4AA2-BF3B-13DCA674FB12}" type="datetimeFigureOut">
               <a:rPr lang="ru-RU" smtClean="0"/>
-              <a:t>20.12.2023</a:t>
+              <a:t>11.02.2024</a:t>
             </a:fld>
             <a:endParaRPr lang="ru-RU" dirty="0"/>
           </a:p>
@@ -2299,7 +2298,7 @@
           <a:p>
             <a:fld id="{0F7B38E9-DBAE-4AA2-BF3B-13DCA674FB12}" type="datetimeFigureOut">
               <a:rPr lang="ru-RU" smtClean="0"/>
-              <a:t>20.12.2023</a:t>
+              <a:t>11.02.2024</a:t>
             </a:fld>
             <a:endParaRPr lang="ru-RU" dirty="0"/>
           </a:p>
@@ -2416,7 +2415,7 @@
           <a:p>
             <a:fld id="{0F7B38E9-DBAE-4AA2-BF3B-13DCA674FB12}" type="datetimeFigureOut">
               <a:rPr lang="ru-RU" smtClean="0"/>
-              <a:t>20.12.2023</a:t>
+              <a:t>11.02.2024</a:t>
             </a:fld>
             <a:endParaRPr lang="ru-RU" dirty="0"/>
           </a:p>
@@ -2511,7 +2510,7 @@
           <a:p>
             <a:fld id="{0F7B38E9-DBAE-4AA2-BF3B-13DCA674FB12}" type="datetimeFigureOut">
               <a:rPr lang="ru-RU" smtClean="0"/>
-              <a:t>20.12.2023</a:t>
+              <a:t>11.02.2024</a:t>
             </a:fld>
             <a:endParaRPr lang="ru-RU" dirty="0"/>
           </a:p>
@@ -2786,7 +2785,7 @@
           <a:p>
             <a:fld id="{0F7B38E9-DBAE-4AA2-BF3B-13DCA674FB12}" type="datetimeFigureOut">
               <a:rPr lang="ru-RU" smtClean="0"/>
-              <a:t>20.12.2023</a:t>
+              <a:t>11.02.2024</a:t>
             </a:fld>
             <a:endParaRPr lang="ru-RU" dirty="0"/>
           </a:p>
@@ -3038,7 +3037,7 @@
           <a:p>
             <a:fld id="{0F7B38E9-DBAE-4AA2-BF3B-13DCA674FB12}" type="datetimeFigureOut">
               <a:rPr lang="ru-RU" smtClean="0"/>
-              <a:t>20.12.2023</a:t>
+              <a:t>11.02.2024</a:t>
             </a:fld>
             <a:endParaRPr lang="ru-RU" dirty="0"/>
           </a:p>
@@ -3249,7 +3248,7 @@
           <a:p>
             <a:fld id="{0F7B38E9-DBAE-4AA2-BF3B-13DCA674FB12}" type="datetimeFigureOut">
               <a:rPr lang="ru-RU" smtClean="0"/>
-              <a:t>20.12.2023</a:t>
+              <a:t>11.02.2024</a:t>
             </a:fld>
             <a:endParaRPr lang="ru-RU" dirty="0"/>
           </a:p>
@@ -4248,84 +4247,134 @@
       </p:grpSpPr>
       <p:sp>
         <p:nvSpPr>
-          <p:cNvPr id="2" name="Заголовок 1"/>
+          <p:cNvPr id="2" name="Заголовок 1">
+            <a:extLst>
+              <a:ext uri="{FF2B5EF4-FFF2-40B4-BE49-F238E27FC236}">
+                <a16:creationId xmlns:a16="http://schemas.microsoft.com/office/drawing/2014/main" id="{BF453941-33A6-C802-2C6A-C74E237C9D17}"/>
+              </a:ext>
+            </a:extLst>
+          </p:cNvPr>
           <p:cNvSpPr>
             <a:spLocks noGrp="1"/>
           </p:cNvSpPr>
           <p:nvPr>
             <p:ph type="title"/>
+          </p:nvPr>
+        </p:nvSpPr>
+        <p:spPr/>
+        <p:txBody>
+          <a:bodyPr/>
+          <a:lstStyle/>
+          <a:p>
+            <a:pPr algn="ctr"/>
+            <a:r>
+              <a:rPr lang="ru-RU" dirty="0"/>
+              <a:t>Цель</a:t>
+            </a:r>
+          </a:p>
+        </p:txBody>
+      </p:sp>
+      <p:sp>
+        <p:nvSpPr>
+          <p:cNvPr id="3" name="Объект 2">
+            <a:extLst>
+              <a:ext uri="{FF2B5EF4-FFF2-40B4-BE49-F238E27FC236}">
+                <a16:creationId xmlns:a16="http://schemas.microsoft.com/office/drawing/2014/main" id="{F721782F-AA52-20F9-E2AB-B79A6BFA8004}"/>
+              </a:ext>
+            </a:extLst>
+          </p:cNvPr>
+          <p:cNvSpPr>
+            <a:spLocks noGrp="1"/>
+          </p:cNvSpPr>
+          <p:nvPr>
+            <p:ph idx="1"/>
           </p:nvPr>
         </p:nvSpPr>
         <p:spPr>
           <a:xfrm>
-            <a:off x="722376" y="365125"/>
-            <a:ext cx="10631424" cy="1325563"/>
+            <a:off x="838200" y="1690688"/>
+            <a:ext cx="10515600" cy="4351338"/>
           </a:xfrm>
         </p:spPr>
         <p:txBody>
-          <a:bodyPr/>
-          <a:lstStyle/>
-          <a:p>
-            <a:r>
-              <a:rPr lang="ru-RU" dirty="0"/>
-              <a:t>Узкие места бизнес-процесса.</a:t>
-            </a:r>
-          </a:p>
-        </p:txBody>
-      </p:sp>
-      <p:sp>
-        <p:nvSpPr>
-          <p:cNvPr id="3" name="Объект 2"/>
-          <p:cNvSpPr>
-            <a:spLocks noGrp="1"/>
-          </p:cNvSpPr>
-          <p:nvPr>
-            <p:ph idx="1"/>
-          </p:nvPr>
-        </p:nvSpPr>
-        <p:spPr/>
-        <p:txBody>
-          <a:bodyPr/>
-          <a:lstStyle/>
-          <a:p>
-            <a:pPr marL="514350" indent="-514350">
-              <a:buFont typeface="+mj-lt"/>
-              <a:buAutoNum type="arabicPeriod"/>
+          <a:bodyPr>
+            <a:normAutofit/>
+          </a:bodyPr>
+          <a:lstStyle/>
+          <a:p>
+            <a:pPr marL="0" indent="0" algn="just">
+              <a:buNone/>
             </a:pPr>
             <a:r>
-              <a:rPr lang="ru-RU" dirty="0"/>
-              <a:t>Подача заявлений,</a:t>
-            </a:r>
-          </a:p>
-          <a:p>
-            <a:pPr marL="514350" indent="-514350">
-              <a:buFont typeface="+mj-lt"/>
-              <a:buAutoNum type="arabicPeriod"/>
-            </a:pPr>
-            <a:r>
-              <a:rPr lang="ru-RU" dirty="0"/>
-              <a:t>Регистрация заявлений, подписание документов,</a:t>
-            </a:r>
-          </a:p>
-          <a:p>
-            <a:pPr marL="514350" indent="-514350">
-              <a:buFont typeface="+mj-lt"/>
-              <a:buAutoNum type="arabicPeriod"/>
-            </a:pPr>
-            <a:r>
-              <a:rPr lang="ru-RU" dirty="0"/>
-              <a:t>Уведомление заявителя.</a:t>
-            </a:r>
-          </a:p>
-          <a:p>
-            <a:endParaRPr lang="ru-RU" dirty="0"/>
+              <a:rPr lang="ru-RU" dirty="0">
+                <a:solidFill>
+                  <a:srgbClr val="303030"/>
+                </a:solidFill>
+                <a:effectLst/>
+                <a:ea typeface="Calibri" panose="020F0502020204030204" pitchFamily="34" charset="0"/>
+              </a:rPr>
+              <a:t>Сократить трудозатраты </a:t>
+            </a:r>
+            <a:r>
+              <a:rPr lang="ru-RU" dirty="0">
+                <a:effectLst/>
+                <a:ea typeface="Calibri" panose="020F0502020204030204" pitchFamily="34" charset="0"/>
+              </a:rPr>
+              <a:t>заявителя при подаче заявлений путем цифровизации подачи заявления</a:t>
+            </a:r>
+            <a:r>
+              <a:rPr lang="ru-RU" dirty="0">
+                <a:solidFill>
+                  <a:srgbClr val="303030"/>
+                </a:solidFill>
+                <a:effectLst/>
+                <a:ea typeface="Calibri" panose="020F0502020204030204" pitchFamily="34" charset="0"/>
+              </a:rPr>
+              <a:t>, время для предоставления услуги и трудозатраты оператора ВИС Лесопользование, путем автоматизации регистрации заявлений и</a:t>
+            </a:r>
+            <a:r>
+              <a:rPr lang="en-US" dirty="0">
+                <a:solidFill>
+                  <a:srgbClr val="303030"/>
+                </a:solidFill>
+                <a:effectLst/>
+                <a:ea typeface="Calibri" panose="020F0502020204030204" pitchFamily="34" charset="0"/>
+              </a:rPr>
+              <a:t> </a:t>
+            </a:r>
+            <a:r>
+              <a:rPr lang="ru-RU" dirty="0">
+                <a:solidFill>
+                  <a:srgbClr val="303030"/>
+                </a:solidFill>
+                <a:effectLst/>
+                <a:ea typeface="Calibri" panose="020F0502020204030204" pitchFamily="34" charset="0"/>
+              </a:rPr>
+              <a:t>частичной автоматизации подписания итоговых документов в СЭД ПСО</a:t>
+            </a:r>
+            <a:r>
+              <a:rPr lang="ru-RU" dirty="0">
+                <a:solidFill>
+                  <a:srgbClr val="303030"/>
+                </a:solidFill>
+                <a:ea typeface="Calibri" panose="020F0502020204030204" pitchFamily="34" charset="0"/>
+              </a:rPr>
+              <a:t>.</a:t>
+            </a:r>
+            <a:endParaRPr lang="ru-RU" dirty="0">
+              <a:solidFill>
+                <a:srgbClr val="303030"/>
+              </a:solidFill>
+              <a:effectLst/>
+              <a:ea typeface="Calibri" panose="020F0502020204030204" pitchFamily="34" charset="0"/>
+            </a:endParaRPr>
           </a:p>
         </p:txBody>
       </p:sp>
     </p:spTree>
     <p:extLst>
       <p:ext uri="{BB962C8B-B14F-4D97-AF65-F5344CB8AC3E}">
-        <p14:creationId xmlns:p14="http://schemas.microsoft.com/office/powerpoint/2010/main" val="463957891"/>
+        <p14:creationId xmlns:p14="http://schemas.microsoft.com/office/powerpoint/2010/main" val="3833297341"/>
       </p:ext>
     </p:extLst>
   </p:cSld>
@@ -4357,7 +4406,7 @@
           <p:cNvPr id="2" name="Заголовок 1">
             <a:extLst>
               <a:ext uri="{FF2B5EF4-FFF2-40B4-BE49-F238E27FC236}">
-                <a16:creationId xmlns:a16="http://schemas.microsoft.com/office/drawing/2014/main" id="{BF453941-33A6-C802-2C6A-C74E237C9D17}"/>
+                <a16:creationId xmlns:a16="http://schemas.microsoft.com/office/drawing/2014/main" id="{AFEE9FF2-96E7-0868-9DE9-117876247596}"/>
               </a:ext>
             </a:extLst>
           </p:cNvPr>
@@ -4375,8 +4424,15 @@
           <a:p>
             <a:pPr algn="ctr"/>
             <a:r>
-              <a:rPr lang="ru-RU" dirty="0"/>
-              <a:t>Цель</a:t>
+              <a:rPr lang="ru-RU" dirty="0">
+                <a:solidFill>
+                  <a:schemeClr val="tx1">
+                    <a:lumMod val="95000"/>
+                    <a:lumOff val="5000"/>
+                  </a:schemeClr>
+                </a:solidFill>
+              </a:rPr>
+              <a:t>Задачи, поставленные начальником группы разработки</a:t>
             </a:r>
           </a:p>
         </p:txBody>
@@ -4386,7 +4442,7 @@
           <p:cNvPr id="3" name="Объект 2">
             <a:extLst>
               <a:ext uri="{FF2B5EF4-FFF2-40B4-BE49-F238E27FC236}">
-                <a16:creationId xmlns:a16="http://schemas.microsoft.com/office/drawing/2014/main" id="{F721782F-AA52-20F9-E2AB-B79A6BFA8004}"/>
+                <a16:creationId xmlns:a16="http://schemas.microsoft.com/office/drawing/2014/main" id="{93E7766C-0A08-FEF6-9580-0459957FA465}"/>
               </a:ext>
             </a:extLst>
           </p:cNvPr>
@@ -4399,86 +4455,145 @@
         </p:nvSpPr>
         <p:spPr>
           <a:xfrm>
-            <a:off x="838200" y="1690688"/>
-            <a:ext cx="10515600" cy="4351338"/>
+            <a:off x="838200" y="1771877"/>
+            <a:ext cx="10756392" cy="4351338"/>
           </a:xfrm>
         </p:spPr>
         <p:txBody>
           <a:bodyPr>
-            <a:normAutofit/>
+            <a:normAutofit fontScale="85000" lnSpcReduction="20000"/>
           </a:bodyPr>
           <a:lstStyle/>
           <a:p>
-            <a:r>
-              <a:rPr lang="ru-RU" dirty="0">
-                <a:solidFill>
-                  <a:srgbClr val="303030"/>
-                </a:solidFill>
+            <a:pPr marL="914400" lvl="1" indent="-457200" algn="just">
+              <a:lnSpc>
+                <a:spcPct val="150000"/>
+              </a:lnSpc>
+              <a:buFont typeface="+mj-lt"/>
+              <a:buAutoNum type="arabicPeriod"/>
+            </a:pPr>
+            <a:r>
+              <a:rPr lang="ru-RU" sz="2800" dirty="0">
                 <a:effectLst/>
-                <a:ea typeface="Calibri" panose="020F0502020204030204" pitchFamily="34" charset="0"/>
+                <a:ea typeface="Times New Roman" panose="02020603050405020304" pitchFamily="18" charset="0"/>
               </a:rPr>
-              <a:t>Сократить трудозатраты </a:t>
-            </a:r>
-            <a:r>
-              <a:rPr lang="ru-RU" dirty="0">
+              <a:t>Изучить процесс выдачи лесного участка,</a:t>
+            </a:r>
+          </a:p>
+          <a:p>
+            <a:pPr marL="914400" lvl="1" indent="-457200" algn="just">
+              <a:lnSpc>
+                <a:spcPct val="150000"/>
+              </a:lnSpc>
+              <a:buFont typeface="+mj-lt"/>
+              <a:buAutoNum type="arabicPeriod"/>
+            </a:pPr>
+            <a:r>
+              <a:rPr lang="ru-RU" sz="2800" dirty="0">
                 <a:effectLst/>
-                <a:ea typeface="Calibri" panose="020F0502020204030204" pitchFamily="34" charset="0"/>
+                <a:ea typeface="Times New Roman" panose="02020603050405020304" pitchFamily="18" charset="0"/>
               </a:rPr>
-              <a:t>заявителя при подаче заявлений путем цифровизации подачи заявления</a:t>
-            </a:r>
-            <a:r>
-              <a:rPr lang="ru-RU" dirty="0">
-                <a:solidFill>
-                  <a:srgbClr val="303030"/>
-                </a:solidFill>
+              <a:t>Изучить модель данных ВИС Лесопользования Свердловской Области,</a:t>
+            </a:r>
+          </a:p>
+          <a:p>
+            <a:pPr marL="914400" lvl="1" indent="-457200" algn="just">
+              <a:lnSpc>
+                <a:spcPct val="150000"/>
+              </a:lnSpc>
+              <a:buFont typeface="+mj-lt"/>
+              <a:buAutoNum type="arabicPeriod"/>
+            </a:pPr>
+            <a:r>
+              <a:rPr lang="ru-RU" sz="2800" dirty="0">
                 <a:effectLst/>
-                <a:ea typeface="Calibri" panose="020F0502020204030204" pitchFamily="34" charset="0"/>
+                <a:ea typeface="Times New Roman" panose="02020603050405020304" pitchFamily="18" charset="0"/>
               </a:rPr>
-              <a:t>, время для предоставления услуги и трудозатраты оператора ВИС Лесопользование, путем автоматизации регистрации заявлений и</a:t>
-            </a:r>
-            <a:r>
-              <a:rPr lang="en-US" dirty="0">
-                <a:solidFill>
-                  <a:srgbClr val="303030"/>
-                </a:solidFill>
+              <a:t>Изучить структуру сообщений для обмена сообщениями с СЭД ПСО,</a:t>
+            </a:r>
+          </a:p>
+          <a:p>
+            <a:pPr marL="914400" lvl="1" indent="-457200" algn="just">
+              <a:lnSpc>
+                <a:spcPct val="150000"/>
+              </a:lnSpc>
+              <a:buFont typeface="+mj-lt"/>
+              <a:buAutoNum type="arabicPeriod"/>
+            </a:pPr>
+            <a:r>
+              <a:rPr lang="ru-RU" sz="2800" dirty="0">
                 <a:effectLst/>
-                <a:ea typeface="Calibri" panose="020F0502020204030204" pitchFamily="34" charset="0"/>
+                <a:ea typeface="Times New Roman" panose="02020603050405020304" pitchFamily="18" charset="0"/>
               </a:rPr>
-              <a:t> </a:t>
-            </a:r>
-            <a:r>
-              <a:rPr lang="ru-RU" dirty="0">
-                <a:solidFill>
-                  <a:srgbClr val="303030"/>
-                </a:solidFill>
+              <a:t>Спроектировать серверное приложение для генерации сообщений и обработки ответных сообщений от СЭД ПСО,</a:t>
+            </a:r>
+          </a:p>
+          <a:p>
+            <a:pPr marL="914400" lvl="1" indent="-457200" algn="just">
+              <a:lnSpc>
+                <a:spcPct val="150000"/>
+              </a:lnSpc>
+              <a:buFont typeface="+mj-lt"/>
+              <a:buAutoNum type="arabicPeriod"/>
+            </a:pPr>
+            <a:r>
+              <a:rPr lang="ru-RU" sz="2800" dirty="0">
                 <a:effectLst/>
-                <a:ea typeface="Calibri" panose="020F0502020204030204" pitchFamily="34" charset="0"/>
+                <a:ea typeface="Times New Roman" panose="02020603050405020304" pitchFamily="18" charset="0"/>
               </a:rPr>
-              <a:t>частичной автоматизации подписания итоговых документов в СЭД ПСО</a:t>
-            </a:r>
-            <a:r>
-              <a:rPr lang="ru-RU" dirty="0">
-                <a:solidFill>
-                  <a:srgbClr val="303030"/>
-                </a:solidFill>
-                <a:ea typeface="Calibri" panose="020F0502020204030204" pitchFamily="34" charset="0"/>
+              <a:t>Реализовать серверное приложение</a:t>
+            </a:r>
+            <a:r>
+              <a:rPr lang="ru-RU" sz="2800" dirty="0">
+                <a:ea typeface="Times New Roman" panose="02020603050405020304" pitchFamily="18" charset="0"/>
               </a:rPr>
-              <a:t>.</a:t>
-            </a:r>
-            <a:endParaRPr lang="ru-RU" dirty="0">
-              <a:solidFill>
-                <a:srgbClr val="303030"/>
-              </a:solidFill>
+              <a:t>,</a:t>
+            </a:r>
+            <a:endParaRPr lang="ru-RU" sz="2800" dirty="0">
               <a:effectLst/>
-              <a:ea typeface="Calibri" panose="020F0502020204030204" pitchFamily="34" charset="0"/>
+              <a:ea typeface="Times New Roman" panose="02020603050405020304" pitchFamily="18" charset="0"/>
             </a:endParaRPr>
+          </a:p>
+          <a:p>
+            <a:pPr marL="914400" lvl="1" indent="-457200" algn="just">
+              <a:lnSpc>
+                <a:spcPct val="150000"/>
+              </a:lnSpc>
+              <a:buFont typeface="+mj-lt"/>
+              <a:buAutoNum type="arabicPeriod"/>
+            </a:pPr>
+            <a:r>
+              <a:rPr lang="ru-RU" sz="2800" dirty="0">
+                <a:ea typeface="Times New Roman" panose="02020603050405020304" pitchFamily="18" charset="0"/>
+              </a:rPr>
+              <a:t>Спроектировать серверное приложение для отправки сообщений,</a:t>
+            </a:r>
+          </a:p>
+          <a:p>
+            <a:pPr marL="914400" lvl="1" indent="-457200" algn="just">
+              <a:lnSpc>
+                <a:spcPct val="150000"/>
+              </a:lnSpc>
+              <a:buFont typeface="+mj-lt"/>
+              <a:buAutoNum type="arabicPeriod"/>
+            </a:pPr>
+            <a:r>
+              <a:rPr lang="ru-RU" sz="2800" dirty="0">
+                <a:effectLst/>
+                <a:ea typeface="Times New Roman" panose="02020603050405020304" pitchFamily="18" charset="0"/>
+              </a:rPr>
+              <a:t>Реализовать серверное приложение для отправки сообщений.</a:t>
+            </a:r>
+          </a:p>
+          <a:p>
+            <a:endParaRPr lang="ru-RU" dirty="0"/>
           </a:p>
         </p:txBody>
       </p:sp>
     </p:spTree>
     <p:extLst>
       <p:ext uri="{BB962C8B-B14F-4D97-AF65-F5344CB8AC3E}">
-        <p14:creationId xmlns:p14="http://schemas.microsoft.com/office/powerpoint/2010/main" val="3833297341"/>
+        <p14:creationId xmlns:p14="http://schemas.microsoft.com/office/powerpoint/2010/main" val="2707282225"/>
       </p:ext>
     </p:extLst>
   </p:cSld>
@@ -4510,7 +4625,7 @@
           <p:cNvPr id="2" name="Заголовок 1">
             <a:extLst>
               <a:ext uri="{FF2B5EF4-FFF2-40B4-BE49-F238E27FC236}">
-                <a16:creationId xmlns:a16="http://schemas.microsoft.com/office/drawing/2014/main" id="{AFEE9FF2-96E7-0868-9DE9-117876247596}"/>
+                <a16:creationId xmlns:a16="http://schemas.microsoft.com/office/drawing/2014/main" id="{D8A27729-5451-50B7-7E48-414C711ED729}"/>
               </a:ext>
             </a:extLst>
           </p:cNvPr>
@@ -4528,15 +4643,8 @@
           <a:p>
             <a:pPr algn="ctr"/>
             <a:r>
-              <a:rPr lang="ru-RU" dirty="0">
-                <a:solidFill>
-                  <a:schemeClr val="tx1">
-                    <a:lumMod val="95000"/>
-                    <a:lumOff val="5000"/>
-                  </a:schemeClr>
-                </a:solidFill>
-              </a:rPr>
-              <a:t>Задачи, поставленные начальником группы разработки</a:t>
+              <a:rPr lang="ru-RU" dirty="0"/>
+              <a:t>Входные данные</a:t>
             </a:r>
           </a:p>
         </p:txBody>
@@ -4546,7 +4654,7 @@
           <p:cNvPr id="3" name="Объект 2">
             <a:extLst>
               <a:ext uri="{FF2B5EF4-FFF2-40B4-BE49-F238E27FC236}">
-                <a16:creationId xmlns:a16="http://schemas.microsoft.com/office/drawing/2014/main" id="{93E7766C-0A08-FEF6-9580-0459957FA465}"/>
+                <a16:creationId xmlns:a16="http://schemas.microsoft.com/office/drawing/2014/main" id="{F8EBDBDF-6213-5485-B958-CCD6BCE73147}"/>
               </a:ext>
             </a:extLst>
           </p:cNvPr>
@@ -4557,90 +4665,42 @@
             <p:ph idx="1"/>
           </p:nvPr>
         </p:nvSpPr>
-        <p:spPr>
-          <a:xfrm>
-            <a:off x="838200" y="1771877"/>
-            <a:ext cx="10756392" cy="4351338"/>
-          </a:xfrm>
-        </p:spPr>
-        <p:txBody>
-          <a:bodyPr>
-            <a:normAutofit fontScale="92500"/>
-          </a:bodyPr>
-          <a:lstStyle/>
-          <a:p>
-            <a:pPr marL="914400" lvl="1" indent="-457200" algn="just">
-              <a:lnSpc>
-                <a:spcPct val="150000"/>
-              </a:lnSpc>
-              <a:buFont typeface="+mj-lt"/>
-              <a:buAutoNum type="arabicPeriod"/>
-            </a:pPr>
-            <a:r>
-              <a:rPr lang="ru-RU" sz="2800" dirty="0">
-                <a:effectLst/>
-                <a:ea typeface="Times New Roman" panose="02020603050405020304" pitchFamily="18" charset="0"/>
-              </a:rPr>
-              <a:t>Изучить модель данных ВИС Лесопользования Свердловской Области для рассматриваемого бизнес-процесса</a:t>
-            </a:r>
-          </a:p>
-          <a:p>
-            <a:pPr marL="914400" lvl="1" indent="-457200" algn="just">
-              <a:lnSpc>
-                <a:spcPct val="150000"/>
-              </a:lnSpc>
-              <a:buFont typeface="+mj-lt"/>
-              <a:buAutoNum type="arabicPeriod"/>
-            </a:pPr>
-            <a:r>
-              <a:rPr lang="ru-RU" sz="2800" dirty="0">
-                <a:effectLst/>
-                <a:ea typeface="Times New Roman" panose="02020603050405020304" pitchFamily="18" charset="0"/>
-              </a:rPr>
-              <a:t>Изучить структуру сообщений для обмена сообщениями с СЭД ПСО</a:t>
-            </a:r>
-          </a:p>
-          <a:p>
-            <a:pPr marL="914400" lvl="1" indent="-457200" algn="just">
-              <a:lnSpc>
-                <a:spcPct val="150000"/>
-              </a:lnSpc>
-              <a:buFont typeface="+mj-lt"/>
-              <a:buAutoNum type="arabicPeriod"/>
-            </a:pPr>
-            <a:r>
-              <a:rPr lang="ru-RU" sz="2800" dirty="0">
-                <a:effectLst/>
-                <a:ea typeface="Times New Roman" panose="02020603050405020304" pitchFamily="18" charset="0"/>
-              </a:rPr>
-              <a:t>Спроектировать серверное приложение для генерации, отправки сообщений и обработки ответных сообщений от СЭД ПСО.</a:t>
-            </a:r>
-          </a:p>
-          <a:p>
-            <a:pPr marL="914400" lvl="1" indent="-457200" algn="just">
-              <a:lnSpc>
-                <a:spcPct val="150000"/>
-              </a:lnSpc>
-              <a:buFont typeface="+mj-lt"/>
-              <a:buAutoNum type="arabicPeriod"/>
-            </a:pPr>
-            <a:r>
-              <a:rPr lang="ru-RU" sz="2800" dirty="0">
-                <a:effectLst/>
-                <a:ea typeface="Times New Roman" panose="02020603050405020304" pitchFamily="18" charset="0"/>
-              </a:rPr>
-              <a:t>Реализовать серверное приложение.</a:t>
-            </a:r>
-          </a:p>
-          <a:p>
-            <a:endParaRPr lang="ru-RU" dirty="0"/>
+        <p:spPr/>
+        <p:txBody>
+          <a:bodyPr/>
+          <a:lstStyle/>
+          <a:p>
+            <a:r>
+              <a:rPr lang="ru-RU" dirty="0"/>
+              <a:t>Заявление (форма на веб странице) на получение предварительного  согласования лесного участка</a:t>
+            </a:r>
+          </a:p>
+          <a:p>
+            <a:r>
+              <a:rPr lang="ru-RU" dirty="0"/>
+              <a:t>Заявление на утверждение</a:t>
+            </a:r>
+            <a:r>
+              <a:rPr lang="en-US" dirty="0"/>
+              <a:t> </a:t>
+            </a:r>
+            <a:r>
+              <a:rPr lang="ru-RU" dirty="0"/>
+              <a:t>проектной документации пользования лесным участком</a:t>
+            </a:r>
+          </a:p>
+          <a:p>
+            <a:r>
+              <a:rPr lang="ru-RU" dirty="0"/>
+              <a:t>Заявление на предоставление лесного участка в пользование</a:t>
+            </a:r>
           </a:p>
         </p:txBody>
       </p:sp>
     </p:spTree>
     <p:extLst>
       <p:ext uri="{BB962C8B-B14F-4D97-AF65-F5344CB8AC3E}">
-        <p14:creationId xmlns:p14="http://schemas.microsoft.com/office/powerpoint/2010/main" val="2707282225"/>
+        <p14:creationId xmlns:p14="http://schemas.microsoft.com/office/powerpoint/2010/main" val="3520240573"/>
       </p:ext>
     </p:extLst>
   </p:cSld>
@@ -4672,7 +4732,7 @@
           <p:cNvPr id="2" name="Заголовок 1">
             <a:extLst>
               <a:ext uri="{FF2B5EF4-FFF2-40B4-BE49-F238E27FC236}">
-                <a16:creationId xmlns:a16="http://schemas.microsoft.com/office/drawing/2014/main" id="{D8A27729-5451-50B7-7E48-414C711ED729}"/>
+                <a16:creationId xmlns:a16="http://schemas.microsoft.com/office/drawing/2014/main" id="{AD142634-8CAF-6287-38B5-8D4672ABE5BC}"/>
               </a:ext>
             </a:extLst>
           </p:cNvPr>
@@ -4691,7 +4751,7 @@
             <a:pPr algn="ctr"/>
             <a:r>
               <a:rPr lang="ru-RU" dirty="0"/>
-              <a:t>Входные данные</a:t>
+              <a:t>Выходные данные</a:t>
             </a:r>
           </a:p>
         </p:txBody>
@@ -4701,7 +4761,7 @@
           <p:cNvPr id="3" name="Объект 2">
             <a:extLst>
               <a:ext uri="{FF2B5EF4-FFF2-40B4-BE49-F238E27FC236}">
-                <a16:creationId xmlns:a16="http://schemas.microsoft.com/office/drawing/2014/main" id="{F8EBDBDF-6213-5485-B958-CCD6BCE73147}"/>
+                <a16:creationId xmlns:a16="http://schemas.microsoft.com/office/drawing/2014/main" id="{01896C1D-163E-8187-9EEA-004C5DAED064}"/>
               </a:ext>
             </a:extLst>
           </p:cNvPr>
@@ -4714,32 +4774,44 @@
         </p:nvSpPr>
         <p:spPr/>
         <p:txBody>
-          <a:bodyPr/>
+          <a:bodyPr>
+            <a:normAutofit/>
+          </a:bodyPr>
           <a:lstStyle/>
           <a:p>
             <a:r>
               <a:rPr lang="ru-RU" dirty="0"/>
-              <a:t>Заявление на получение предварительного  согласования лесного участка</a:t>
+              <a:t>Приказ о согласовании лесного участка</a:t>
             </a:r>
           </a:p>
           <a:p>
             <a:r>
               <a:rPr lang="ru-RU" dirty="0"/>
-              <a:t>Заявление на утверждение</a:t>
-            </a:r>
-            <a:r>
-              <a:rPr lang="en-US" dirty="0"/>
-              <a:t> </a:t>
-            </a:r>
+              <a:t>Уведомления об отказе в предварительном согласовании</a:t>
+            </a:r>
+          </a:p>
+          <a:p>
             <a:r>
               <a:rPr lang="ru-RU" dirty="0"/>
-              <a:t>проектной документации пользования лесным участком</a:t>
+              <a:t>Приказ об утверждении проектной документации и государственном учете лесного участка в соответствии с проектной документацией на лесной участок для заготовки древесины</a:t>
             </a:r>
           </a:p>
           <a:p>
             <a:r>
               <a:rPr lang="ru-RU" dirty="0"/>
-              <a:t>Заявление на предоставление лесного участка в пользование</a:t>
+              <a:t>Отказ в утверждении</a:t>
+            </a:r>
+          </a:p>
+          <a:p>
+            <a:r>
+              <a:rPr lang="ru-RU" dirty="0"/>
+              <a:t>Приказ о предоставлении земельного (лесного) участка </a:t>
+            </a:r>
+          </a:p>
+          <a:p>
+            <a:r>
+              <a:rPr lang="ru-RU" dirty="0"/>
+              <a:t>Решение об отказе в предоставлении лесного участка</a:t>
             </a:r>
           </a:p>
         </p:txBody>
@@ -4747,7 +4819,7 @@
     </p:spTree>
     <p:extLst>
       <p:ext uri="{BB962C8B-B14F-4D97-AF65-F5344CB8AC3E}">
-        <p14:creationId xmlns:p14="http://schemas.microsoft.com/office/powerpoint/2010/main" val="3520240573"/>
+        <p14:creationId xmlns:p14="http://schemas.microsoft.com/office/powerpoint/2010/main" val="401418907"/>
       </p:ext>
     </p:extLst>
   </p:cSld>
@@ -4779,125 +4851,6 @@
           <p:cNvPr id="2" name="Заголовок 1">
             <a:extLst>
               <a:ext uri="{FF2B5EF4-FFF2-40B4-BE49-F238E27FC236}">
-                <a16:creationId xmlns:a16="http://schemas.microsoft.com/office/drawing/2014/main" id="{AD142634-8CAF-6287-38B5-8D4672ABE5BC}"/>
-              </a:ext>
-            </a:extLst>
-          </p:cNvPr>
-          <p:cNvSpPr>
-            <a:spLocks noGrp="1"/>
-          </p:cNvSpPr>
-          <p:nvPr>
-            <p:ph type="title"/>
-          </p:nvPr>
-        </p:nvSpPr>
-        <p:spPr/>
-        <p:txBody>
-          <a:bodyPr/>
-          <a:lstStyle/>
-          <a:p>
-            <a:pPr algn="ctr"/>
-            <a:r>
-              <a:rPr lang="ru-RU" dirty="0"/>
-              <a:t>Выходные данные</a:t>
-            </a:r>
-          </a:p>
-        </p:txBody>
-      </p:sp>
-      <p:sp>
-        <p:nvSpPr>
-          <p:cNvPr id="3" name="Объект 2">
-            <a:extLst>
-              <a:ext uri="{FF2B5EF4-FFF2-40B4-BE49-F238E27FC236}">
-                <a16:creationId xmlns:a16="http://schemas.microsoft.com/office/drawing/2014/main" id="{01896C1D-163E-8187-9EEA-004C5DAED064}"/>
-              </a:ext>
-            </a:extLst>
-          </p:cNvPr>
-          <p:cNvSpPr>
-            <a:spLocks noGrp="1"/>
-          </p:cNvSpPr>
-          <p:nvPr>
-            <p:ph idx="1"/>
-          </p:nvPr>
-        </p:nvSpPr>
-        <p:spPr/>
-        <p:txBody>
-          <a:bodyPr>
-            <a:normAutofit/>
-          </a:bodyPr>
-          <a:lstStyle/>
-          <a:p>
-            <a:r>
-              <a:rPr lang="ru-RU" dirty="0"/>
-              <a:t>Приказ о согласовании лесного участка</a:t>
-            </a:r>
-          </a:p>
-          <a:p>
-            <a:r>
-              <a:rPr lang="ru-RU" dirty="0"/>
-              <a:t>Уведомления об отказе в предварительном согласовании</a:t>
-            </a:r>
-          </a:p>
-          <a:p>
-            <a:r>
-              <a:rPr lang="ru-RU" dirty="0"/>
-              <a:t>Приказ об утверждении проектной документации и государственном учете лесного участка в соответствии с проектной документацией на лесной участок для заготовки древесины</a:t>
-            </a:r>
-          </a:p>
-          <a:p>
-            <a:r>
-              <a:rPr lang="ru-RU" dirty="0"/>
-              <a:t>Отказ в утверждении</a:t>
-            </a:r>
-          </a:p>
-          <a:p>
-            <a:r>
-              <a:rPr lang="ru-RU" dirty="0"/>
-              <a:t>Приказ о предоставлении земельного (лесного) участка </a:t>
-            </a:r>
-          </a:p>
-          <a:p>
-            <a:r>
-              <a:rPr lang="ru-RU" dirty="0"/>
-              <a:t>Решение об отказе в предоставлении лесного участка</a:t>
-            </a:r>
-          </a:p>
-        </p:txBody>
-      </p:sp>
-    </p:spTree>
-    <p:extLst>
-      <p:ext uri="{BB962C8B-B14F-4D97-AF65-F5344CB8AC3E}">
-        <p14:creationId xmlns:p14="http://schemas.microsoft.com/office/powerpoint/2010/main" val="401418907"/>
-      </p:ext>
-    </p:extLst>
-  </p:cSld>
-  <p:clrMapOvr>
-    <a:masterClrMapping/>
-  </p:clrMapOvr>
-</p:sld>
-</file>
-
-<file path=ppt/slides/slide15.xml><?xml version="1.0" encoding="utf-8"?>
-<p:sld xmlns:a="http://schemas.openxmlformats.org/drawingml/2006/main" xmlns:r="http://schemas.openxmlformats.org/officeDocument/2006/relationships" xmlns:p="http://schemas.openxmlformats.org/presentationml/2006/main">
-  <p:cSld>
-    <p:spTree>
-      <p:nvGrpSpPr>
-        <p:cNvPr id="1" name=""/>
-        <p:cNvGrpSpPr/>
-        <p:nvPr/>
-      </p:nvGrpSpPr>
-      <p:grpSpPr>
-        <a:xfrm>
-          <a:off x="0" y="0"/>
-          <a:ext cx="0" cy="0"/>
-          <a:chOff x="0" y="0"/>
-          <a:chExt cx="0" cy="0"/>
-        </a:xfrm>
-      </p:grpSpPr>
-      <p:sp>
-        <p:nvSpPr>
-          <p:cNvPr id="2" name="Заголовок 1">
-            <a:extLst>
-              <a:ext uri="{FF2B5EF4-FFF2-40B4-BE49-F238E27FC236}">
                 <a16:creationId xmlns:a16="http://schemas.microsoft.com/office/drawing/2014/main" id="{84BE1982-FFD6-C2DA-F769-1FE51082CDF3}"/>
               </a:ext>
             </a:extLst>
@@ -4945,19 +4898,19 @@
           <a:p>
             <a:r>
               <a:rPr lang="ru-RU" dirty="0"/>
-              <a:t>Уменьшение трудозатрат, потраченного времени заявителя, при подаче заявления</a:t>
+              <a:t>Уменьшение трудозатрат, потраченного времени заявителя, при подаче заявления;</a:t>
             </a:r>
           </a:p>
           <a:p>
             <a:r>
               <a:rPr lang="ru-RU" dirty="0"/>
-              <a:t>Уменьшение времени для предоставления услуги</a:t>
+              <a:t>Уменьшение времени для предоставления услуги;</a:t>
             </a:r>
           </a:p>
           <a:p>
             <a:r>
               <a:rPr lang="ru-RU" dirty="0"/>
-              <a:t>Снижение когнитивной нагрузки на оператора при обработке заявлений.</a:t>
+              <a:t>Снижение когнитивной нагрузки на оператора при обработке заявлений;</a:t>
             </a:r>
           </a:p>
         </p:txBody>
@@ -4975,7 +4928,7 @@
 </p:sld>
 </file>
 
-<file path=ppt/slides/slide16.xml><?xml version="1.0" encoding="utf-8"?>
+<file path=ppt/slides/slide15.xml><?xml version="1.0" encoding="utf-8"?>
 <p:sld xmlns:a="http://schemas.openxmlformats.org/drawingml/2006/main" xmlns:r="http://schemas.openxmlformats.org/officeDocument/2006/relationships" xmlns:p="http://schemas.openxmlformats.org/presentationml/2006/main">
   <p:cSld>
     <p:spTree>
@@ -5068,7 +5021,7 @@
 </p:sld>
 </file>
 
-<file path=ppt/slides/slide17.xml><?xml version="1.0" encoding="utf-8"?>
+<file path=ppt/slides/slide16.xml><?xml version="1.0" encoding="utf-8"?>
 <p:sld xmlns:a="http://schemas.openxmlformats.org/drawingml/2006/main" xmlns:r="http://schemas.openxmlformats.org/officeDocument/2006/relationships" xmlns:p="http://schemas.openxmlformats.org/presentationml/2006/main">
   <p:cSld>
     <p:spTree>
@@ -5191,7 +5144,7 @@
 </p:sld>
 </file>
 
-<file path=ppt/slides/slide18.xml><?xml version="1.0" encoding="utf-8"?>
+<file path=ppt/slides/slide17.xml><?xml version="1.0" encoding="utf-8"?>
 <p:sld xmlns:a="http://schemas.openxmlformats.org/drawingml/2006/main" xmlns:r="http://schemas.openxmlformats.org/officeDocument/2006/relationships" xmlns:p="http://schemas.openxmlformats.org/presentationml/2006/main">
   <p:cSld>
     <p:spTree>
@@ -5556,201 +5509,6 @@
           <p:cNvPr id="2" name="Заголовок 1">
             <a:extLst>
               <a:ext uri="{FF2B5EF4-FFF2-40B4-BE49-F238E27FC236}">
-                <a16:creationId xmlns:a16="http://schemas.microsoft.com/office/drawing/2014/main" id="{086BE15B-8548-694F-A330-EA138F0F2288}"/>
-              </a:ext>
-            </a:extLst>
-          </p:cNvPr>
-          <p:cNvSpPr>
-            <a:spLocks noGrp="1"/>
-          </p:cNvSpPr>
-          <p:nvPr>
-            <p:ph type="title"/>
-          </p:nvPr>
-        </p:nvSpPr>
-        <p:spPr/>
-        <p:txBody>
-          <a:bodyPr>
-            <a:normAutofit/>
-          </a:bodyPr>
-          <a:lstStyle/>
-          <a:p>
-            <a:pPr algn="ctr"/>
-            <a:r>
-              <a:rPr lang="ru-RU" sz="3600" dirty="0"/>
-              <a:t>Требуемые бизнес процессы для </a:t>
-            </a:r>
-            <a:r>
-              <a:rPr lang="ru-RU" sz="3600" dirty="0" err="1"/>
-              <a:t>цифровизации</a:t>
-            </a:r>
-            <a:r>
-              <a:rPr lang="ru-RU" sz="3600" dirty="0"/>
-              <a:t>, частичной автоматизации</a:t>
-            </a:r>
-          </a:p>
-        </p:txBody>
-      </p:sp>
-      <p:sp>
-        <p:nvSpPr>
-          <p:cNvPr id="3" name="Объект 2">
-            <a:extLst>
-              <a:ext uri="{FF2B5EF4-FFF2-40B4-BE49-F238E27FC236}">
-                <a16:creationId xmlns:a16="http://schemas.microsoft.com/office/drawing/2014/main" id="{7A2C98BE-99C7-CE74-9107-BA46E635E1A5}"/>
-              </a:ext>
-            </a:extLst>
-          </p:cNvPr>
-          <p:cNvSpPr>
-            <a:spLocks noGrp="1"/>
-          </p:cNvSpPr>
-          <p:nvPr>
-            <p:ph idx="1"/>
-          </p:nvPr>
-        </p:nvSpPr>
-        <p:spPr/>
-        <p:txBody>
-          <a:bodyPr>
-            <a:normAutofit fontScale="62500" lnSpcReduction="20000"/>
-          </a:bodyPr>
-          <a:lstStyle/>
-          <a:p>
-            <a:pPr marL="0" indent="0">
-              <a:buNone/>
-            </a:pPr>
-            <a:r>
-              <a:rPr lang="ru-RU" dirty="0"/>
-              <a:t>1.	оформление права пользования лесным участком отдела учета земель и организации использования лесов,</a:t>
-            </a:r>
-          </a:p>
-          <a:p>
-            <a:pPr marL="0" indent="0">
-              <a:buNone/>
-            </a:pPr>
-            <a:r>
-              <a:rPr lang="ru-RU" dirty="0"/>
-              <a:t>2.	</a:t>
-            </a:r>
-            <a:r>
-              <a:rPr lang="ru-RU" b="1" dirty="0"/>
-              <a:t>оформление права пользования лесным участком отдела организации лесопользования, лесовосстановления и государственной экспертизы проектов освоения лесов,</a:t>
-            </a:r>
-          </a:p>
-          <a:p>
-            <a:pPr marL="0" indent="0">
-              <a:buNone/>
-            </a:pPr>
-            <a:r>
-              <a:rPr lang="ru-RU" dirty="0"/>
-              <a:t>3.	проведение государственной экспертизы проектов освоения лесов, расположенных на землях лесного фонда,</a:t>
-            </a:r>
-          </a:p>
-          <a:p>
-            <a:pPr marL="0" indent="0">
-              <a:buNone/>
-            </a:pPr>
-            <a:r>
-              <a:rPr lang="ru-RU" dirty="0"/>
-              <a:t>4.	согласование проекта рекультивации нарушенных земель/проекта лесовосстановления,</a:t>
-            </a:r>
-          </a:p>
-          <a:p>
-            <a:pPr marL="0" indent="0">
-              <a:buNone/>
-            </a:pPr>
-            <a:r>
-              <a:rPr lang="ru-RU" dirty="0"/>
-              <a:t>5.	прием лесной деклараций и отчетов об использовании лесов,</a:t>
-            </a:r>
-          </a:p>
-          <a:p>
-            <a:pPr marL="0" indent="0">
-              <a:buNone/>
-            </a:pPr>
-            <a:r>
-              <a:rPr lang="ru-RU" dirty="0"/>
-              <a:t>6.	формирование акта о лесном пожаре,</a:t>
-            </a:r>
-          </a:p>
-          <a:p>
-            <a:pPr marL="0" indent="0">
-              <a:buNone/>
-            </a:pPr>
-            <a:r>
-              <a:rPr lang="ru-RU" dirty="0"/>
-              <a:t>7.	утверждение акта лесопатологического обследования,</a:t>
-            </a:r>
-          </a:p>
-          <a:p>
-            <a:pPr marL="0" indent="0">
-              <a:buNone/>
-            </a:pPr>
-            <a:r>
-              <a:rPr lang="ru-RU" dirty="0"/>
-              <a:t>8.	предоставление выписки из государственного лесного реестра,</a:t>
-            </a:r>
-          </a:p>
-          <a:p>
-            <a:pPr marL="0" indent="0">
-              <a:buNone/>
-            </a:pPr>
-            <a:r>
-              <a:rPr lang="ru-RU" dirty="0"/>
-              <a:t>9.	выдача разрешений на выполнение работ по геологическому изучению недр на землях лесного фонда, а также на использование лесных участков в соответствии со статьями 39.33, 39.36 Земельного кодекса РФ,</a:t>
-            </a:r>
-          </a:p>
-          <a:p>
-            <a:pPr marL="0" indent="0">
-              <a:buNone/>
-            </a:pPr>
-            <a:r>
-              <a:rPr lang="ru-RU" dirty="0"/>
-              <a:t>10.	Информирование населения о введении особых противопожарных режимов и классов пожарной опасности по условиям погоды</a:t>
-            </a:r>
-            <a:r>
-              <a:rPr lang="en-US" dirty="0"/>
-              <a:t>.</a:t>
-            </a:r>
-            <a:endParaRPr lang="ru-RU" dirty="0"/>
-          </a:p>
-          <a:p>
-            <a:endParaRPr lang="ru-RU" dirty="0"/>
-          </a:p>
-        </p:txBody>
-      </p:sp>
-    </p:spTree>
-    <p:extLst>
-      <p:ext uri="{BB962C8B-B14F-4D97-AF65-F5344CB8AC3E}">
-        <p14:creationId xmlns:p14="http://schemas.microsoft.com/office/powerpoint/2010/main" val="2170251311"/>
-      </p:ext>
-    </p:extLst>
-  </p:cSld>
-  <p:clrMapOvr>
-    <a:masterClrMapping/>
-  </p:clrMapOvr>
-</p:sld>
-</file>
-
-<file path=ppt/slides/slide6.xml><?xml version="1.0" encoding="utf-8"?>
-<p:sld xmlns:a="http://schemas.openxmlformats.org/drawingml/2006/main" xmlns:r="http://schemas.openxmlformats.org/officeDocument/2006/relationships" xmlns:p="http://schemas.openxmlformats.org/presentationml/2006/main">
-  <p:cSld>
-    <p:spTree>
-      <p:nvGrpSpPr>
-        <p:cNvPr id="1" name=""/>
-        <p:cNvGrpSpPr/>
-        <p:nvPr/>
-      </p:nvGrpSpPr>
-      <p:grpSpPr>
-        <a:xfrm>
-          <a:off x="0" y="0"/>
-          <a:ext cx="0" cy="0"/>
-          <a:chOff x="0" y="0"/>
-          <a:chExt cx="0" cy="0"/>
-        </a:xfrm>
-      </p:grpSpPr>
-      <p:sp>
-        <p:nvSpPr>
-          <p:cNvPr id="2" name="Заголовок 1">
-            <a:extLst>
-              <a:ext uri="{FF2B5EF4-FFF2-40B4-BE49-F238E27FC236}">
                 <a16:creationId xmlns:a16="http://schemas.microsoft.com/office/drawing/2014/main" id="{56EB7D04-94E1-53D1-0595-404137901F02}"/>
               </a:ext>
             </a:extLst>
@@ -5777,7 +5535,7 @@
             <a:pPr algn="ctr"/>
             <a:r>
               <a:rPr lang="ru-RU" sz="3600" dirty="0"/>
-              <a:t>2. Предоставление гражданам, юридическим лицам лесных участков, находящихся в государственной или муниципальной собственности</a:t>
+              <a:t>Предоставление гражданам, юридическим лицам лесных участков, находящихся в государственной или муниципальной собственности</a:t>
             </a:r>
             <a:br>
               <a:rPr lang="ru-RU" dirty="0"/>
@@ -5867,7 +5625,7 @@
 </p:sld>
 </file>
 
-<file path=ppt/slides/slide7.xml><?xml version="1.0" encoding="utf-8"?>
+<file path=ppt/slides/slide6.xml><?xml version="1.0" encoding="utf-8"?>
 <p:sld xmlns:a="http://schemas.openxmlformats.org/drawingml/2006/main" xmlns:r="http://schemas.openxmlformats.org/officeDocument/2006/relationships" xmlns:p="http://schemas.openxmlformats.org/presentationml/2006/main">
   <p:cSld>
     <p:spTree>
@@ -5991,7 +5749,7 @@
 </p:sld>
 </file>
 
-<file path=ppt/slides/slide8.xml><?xml version="1.0" encoding="utf-8"?>
+<file path=ppt/slides/slide7.xml><?xml version="1.0" encoding="utf-8"?>
 <p:sld xmlns:a="http://schemas.openxmlformats.org/drawingml/2006/main" xmlns:r="http://schemas.openxmlformats.org/officeDocument/2006/relationships" xmlns:p="http://schemas.openxmlformats.org/presentationml/2006/main">
   <p:cSld>
     <p:spTree>
@@ -6109,7 +5867,7 @@
 </p:sld>
 </file>
 
-<file path=ppt/slides/slide9.xml><?xml version="1.0" encoding="utf-8"?>
+<file path=ppt/slides/slide8.xml><?xml version="1.0" encoding="utf-8"?>
 <p:sld xmlns:a="http://schemas.openxmlformats.org/drawingml/2006/main" xmlns:r="http://schemas.openxmlformats.org/officeDocument/2006/relationships" xmlns:p="http://schemas.openxmlformats.org/presentationml/2006/main">
   <p:cSld>
     <p:spTree>
@@ -6225,6 +5983,134 @@
     <p:extLst>
       <p:ext uri="{BB962C8B-B14F-4D97-AF65-F5344CB8AC3E}">
         <p14:creationId xmlns:p14="http://schemas.microsoft.com/office/powerpoint/2010/main" val="3177603327"/>
+      </p:ext>
+    </p:extLst>
+  </p:cSld>
+  <p:clrMapOvr>
+    <a:masterClrMapping/>
+  </p:clrMapOvr>
+</p:sld>
+</file>
+
+<file path=ppt/slides/slide9.xml><?xml version="1.0" encoding="utf-8"?>
+<p:sld xmlns:a="http://schemas.openxmlformats.org/drawingml/2006/main" xmlns:r="http://schemas.openxmlformats.org/officeDocument/2006/relationships" xmlns:p="http://schemas.openxmlformats.org/presentationml/2006/main">
+  <p:cSld>
+    <p:spTree>
+      <p:nvGrpSpPr>
+        <p:cNvPr id="1" name=""/>
+        <p:cNvGrpSpPr/>
+        <p:nvPr/>
+      </p:nvGrpSpPr>
+      <p:grpSpPr>
+        <a:xfrm>
+          <a:off x="0" y="0"/>
+          <a:ext cx="0" cy="0"/>
+          <a:chOff x="0" y="0"/>
+          <a:chExt cx="0" cy="0"/>
+        </a:xfrm>
+      </p:grpSpPr>
+      <p:sp>
+        <p:nvSpPr>
+          <p:cNvPr id="2" name="Заголовок 1"/>
+          <p:cNvSpPr>
+            <a:spLocks noGrp="1"/>
+          </p:cNvSpPr>
+          <p:nvPr>
+            <p:ph type="title"/>
+          </p:nvPr>
+        </p:nvSpPr>
+        <p:spPr>
+          <a:xfrm>
+            <a:off x="722376" y="365125"/>
+            <a:ext cx="10631424" cy="1325563"/>
+          </a:xfrm>
+        </p:spPr>
+        <p:txBody>
+          <a:bodyPr>
+            <a:normAutofit fontScale="90000"/>
+          </a:bodyPr>
+          <a:lstStyle/>
+          <a:p>
+            <a:r>
+              <a:rPr lang="ru-RU" dirty="0"/>
+              <a:t>Действия бизнес-процесса на которые возможно тратить меньше времени, ресурсов.</a:t>
+            </a:r>
+          </a:p>
+        </p:txBody>
+      </p:sp>
+      <p:sp>
+        <p:nvSpPr>
+          <p:cNvPr id="3" name="Объект 2"/>
+          <p:cNvSpPr>
+            <a:spLocks noGrp="1"/>
+          </p:cNvSpPr>
+          <p:nvPr>
+            <p:ph idx="1"/>
+          </p:nvPr>
+        </p:nvSpPr>
+        <p:spPr/>
+        <p:txBody>
+          <a:bodyPr/>
+          <a:lstStyle/>
+          <a:p>
+            <a:pPr marL="514350" indent="-514350">
+              <a:buFont typeface="+mj-lt"/>
+              <a:buAutoNum type="arabicPeriod"/>
+            </a:pPr>
+            <a:r>
+              <a:rPr lang="ru-RU" dirty="0"/>
+              <a:t>Составление и подача заявлений;</a:t>
+            </a:r>
+          </a:p>
+          <a:p>
+            <a:pPr marL="514350" indent="-514350">
+              <a:buFont typeface="+mj-lt"/>
+              <a:buAutoNum type="arabicPeriod"/>
+            </a:pPr>
+            <a:r>
+              <a:rPr lang="ru-RU" dirty="0"/>
+              <a:t>Регистрация заявлений, подписание документов;</a:t>
+            </a:r>
+          </a:p>
+          <a:p>
+            <a:pPr marL="514350" indent="-514350">
+              <a:buFont typeface="+mj-lt"/>
+              <a:buAutoNum type="arabicPeriod"/>
+            </a:pPr>
+            <a:r>
+              <a:rPr lang="ru-RU" dirty="0"/>
+              <a:t>Уведомление заявителя;</a:t>
+            </a:r>
+          </a:p>
+          <a:p>
+            <a:pPr marL="514350" indent="-514350">
+              <a:buFont typeface="+mj-lt"/>
+              <a:buAutoNum type="arabicPeriod"/>
+            </a:pPr>
+            <a:r>
+              <a:rPr lang="ru-RU" dirty="0"/>
+              <a:t>Работа с картографической информацией при подаче,, рассмотрении заявления;</a:t>
+            </a:r>
+          </a:p>
+          <a:p>
+            <a:pPr marL="514350" indent="-514350">
+              <a:buFont typeface="+mj-lt"/>
+              <a:buAutoNum type="arabicPeriod"/>
+            </a:pPr>
+            <a:r>
+              <a:rPr lang="ru-RU" dirty="0"/>
+              <a:t>Заполнение шаблонов приказов, уведомлений, отказов, актов;</a:t>
+            </a:r>
+          </a:p>
+          <a:p>
+            <a:endParaRPr lang="ru-RU" dirty="0"/>
+          </a:p>
+        </p:txBody>
+      </p:sp>
+    </p:spTree>
+    <p:extLst>
+      <p:ext uri="{BB962C8B-B14F-4D97-AF65-F5344CB8AC3E}">
+        <p14:creationId xmlns:p14="http://schemas.microsoft.com/office/powerpoint/2010/main" val="463957891"/>
       </p:ext>
     </p:extLst>
   </p:cSld>
